--- a/images/SI3DLogo.pptx
+++ b/images/SI3DLogo.pptx
@@ -2,14 +2,14 @@
 <file path=ppt/presentation.xml><?xml version="1.0" encoding="utf-8"?>
 <p:presentation xmlns:a="http://schemas.openxmlformats.org/drawingml/2006/main" xmlns:r="http://schemas.openxmlformats.org/officeDocument/2006/relationships" xmlns:p="http://schemas.openxmlformats.org/presentationml/2006/main" saveSubsetFonts="1">
   <p:sldMasterIdLst>
-    <p:sldMasterId id="2147483684" r:id="rId1"/>
+    <p:sldMasterId id="2147483708" r:id="rId1"/>
   </p:sldMasterIdLst>
   <p:sldIdLst>
     <p:sldId id="257" r:id="rId2"/>
     <p:sldId id="258" r:id="rId3"/>
     <p:sldId id="259" r:id="rId4"/>
   </p:sldIdLst>
-  <p:sldSz cx="4572000" cy="2743200"/>
+  <p:sldSz cx="9144000" cy="5143500" type="screen16x9"/>
   <p:notesSz cx="6858000" cy="9144000"/>
   <p:defaultTextStyle>
     <a:defPPr>
@@ -138,15 +138,15 @@
         </p:nvSpPr>
         <p:spPr>
           <a:xfrm>
-            <a:off x="571500" y="448946"/>
-            <a:ext cx="3429000" cy="955040"/>
+            <a:off x="1143000" y="841774"/>
+            <a:ext cx="6858000" cy="1790699"/>
           </a:xfrm>
         </p:spPr>
         <p:txBody>
           <a:bodyPr anchor="b"/>
           <a:lstStyle>
             <a:lvl1pPr algn="ctr">
-              <a:defRPr sz="2250"/>
+              <a:defRPr sz="4500"/>
             </a:lvl1pPr>
           </a:lstStyle>
           <a:p>
@@ -170,8 +170,8 @@
         </p:nvSpPr>
         <p:spPr>
           <a:xfrm>
-            <a:off x="571500" y="1440817"/>
-            <a:ext cx="3429000" cy="662306"/>
+            <a:off x="1143000" y="2701528"/>
+            <a:ext cx="6858000" cy="1241823"/>
           </a:xfrm>
         </p:spPr>
         <p:txBody>
@@ -179,39 +179,39 @@
           <a:lstStyle>
             <a:lvl1pPr marL="0" indent="0" algn="ctr">
               <a:buNone/>
-              <a:defRPr sz="900"/>
+              <a:defRPr sz="1800"/>
             </a:lvl1pPr>
-            <a:lvl2pPr marL="171459" indent="0" algn="ctr">
-              <a:buNone/>
-              <a:defRPr sz="750"/>
+            <a:lvl2pPr marL="342942" indent="0" algn="ctr">
+              <a:buNone/>
+              <a:defRPr sz="1499"/>
             </a:lvl2pPr>
-            <a:lvl3pPr marL="342917" indent="0" algn="ctr">
-              <a:buNone/>
-              <a:defRPr sz="675"/>
+            <a:lvl3pPr marL="685884" indent="0" algn="ctr">
+              <a:buNone/>
+              <a:defRPr sz="1350"/>
             </a:lvl3pPr>
-            <a:lvl4pPr marL="514376" indent="0" algn="ctr">
-              <a:buNone/>
-              <a:defRPr sz="600"/>
+            <a:lvl4pPr marL="1028829" indent="0" algn="ctr">
+              <a:buNone/>
+              <a:defRPr sz="1201"/>
             </a:lvl4pPr>
-            <a:lvl5pPr marL="685835" indent="0" algn="ctr">
-              <a:buNone/>
-              <a:defRPr sz="600"/>
+            <a:lvl5pPr marL="1371772" indent="0" algn="ctr">
+              <a:buNone/>
+              <a:defRPr sz="1201"/>
             </a:lvl5pPr>
-            <a:lvl6pPr marL="857294" indent="0" algn="ctr">
-              <a:buNone/>
-              <a:defRPr sz="600"/>
+            <a:lvl6pPr marL="1714714" indent="0" algn="ctr">
+              <a:buNone/>
+              <a:defRPr sz="1201"/>
             </a:lvl6pPr>
-            <a:lvl7pPr marL="1028751" indent="0" algn="ctr">
-              <a:buNone/>
-              <a:defRPr sz="600"/>
+            <a:lvl7pPr marL="2057656" indent="0" algn="ctr">
+              <a:buNone/>
+              <a:defRPr sz="1201"/>
             </a:lvl7pPr>
-            <a:lvl8pPr marL="1200210" indent="0" algn="ctr">
-              <a:buNone/>
-              <a:defRPr sz="600"/>
+            <a:lvl8pPr marL="2400601" indent="0" algn="ctr">
+              <a:buNone/>
+              <a:defRPr sz="1201"/>
             </a:lvl8pPr>
-            <a:lvl9pPr marL="1371669" indent="0" algn="ctr">
-              <a:buNone/>
-              <a:defRPr sz="600"/>
+            <a:lvl9pPr marL="2743543" indent="0" algn="ctr">
+              <a:buNone/>
+              <a:defRPr sz="1201"/>
             </a:lvl9pPr>
           </a:lstStyle>
           <a:p>
@@ -291,7 +291,7 @@
     </p:spTree>
     <p:extLst>
       <p:ext uri="{BB962C8B-B14F-4D97-AF65-F5344CB8AC3E}">
-        <p14:creationId xmlns:p14="http://schemas.microsoft.com/office/powerpoint/2010/main" val="1159007760"/>
+        <p14:creationId xmlns:p14="http://schemas.microsoft.com/office/powerpoint/2010/main" val="3736398734"/>
       </p:ext>
     </p:extLst>
   </p:cSld>
@@ -461,7 +461,7 @@
     </p:spTree>
     <p:extLst>
       <p:ext uri="{BB962C8B-B14F-4D97-AF65-F5344CB8AC3E}">
-        <p14:creationId xmlns:p14="http://schemas.microsoft.com/office/powerpoint/2010/main" val="3067811852"/>
+        <p14:creationId xmlns:p14="http://schemas.microsoft.com/office/powerpoint/2010/main" val="4008904492"/>
       </p:ext>
     </p:extLst>
   </p:cSld>
@@ -500,8 +500,8 @@
         </p:nvSpPr>
         <p:spPr>
           <a:xfrm>
-            <a:off x="3271837" y="146051"/>
-            <a:ext cx="985838" cy="2324735"/>
+            <a:off x="6543676" y="273845"/>
+            <a:ext cx="1971675" cy="4358880"/>
           </a:xfrm>
         </p:spPr>
         <p:txBody>
@@ -528,8 +528,8 @@
         </p:nvSpPr>
         <p:spPr>
           <a:xfrm>
-            <a:off x="314327" y="146051"/>
-            <a:ext cx="2900363" cy="2324735"/>
+            <a:off x="628652" y="273845"/>
+            <a:ext cx="5800725" cy="4358880"/>
           </a:xfrm>
         </p:spPr>
         <p:txBody>
@@ -641,7 +641,7 @@
     </p:spTree>
     <p:extLst>
       <p:ext uri="{BB962C8B-B14F-4D97-AF65-F5344CB8AC3E}">
-        <p14:creationId xmlns:p14="http://schemas.microsoft.com/office/powerpoint/2010/main" val="2868217769"/>
+        <p14:creationId xmlns:p14="http://schemas.microsoft.com/office/powerpoint/2010/main" val="407558412"/>
       </p:ext>
     </p:extLst>
   </p:cSld>
@@ -811,7 +811,7 @@
     </p:spTree>
     <p:extLst>
       <p:ext uri="{BB962C8B-B14F-4D97-AF65-F5344CB8AC3E}">
-        <p14:creationId xmlns:p14="http://schemas.microsoft.com/office/powerpoint/2010/main" val="2101676139"/>
+        <p14:creationId xmlns:p14="http://schemas.microsoft.com/office/powerpoint/2010/main" val="2268555629"/>
       </p:ext>
     </p:extLst>
   </p:cSld>
@@ -850,15 +850,15 @@
         </p:nvSpPr>
         <p:spPr>
           <a:xfrm>
-            <a:off x="311944" y="683895"/>
-            <a:ext cx="3943350" cy="1141095"/>
+            <a:off x="623888" y="1282303"/>
+            <a:ext cx="7886700" cy="2139553"/>
           </a:xfrm>
         </p:spPr>
         <p:txBody>
           <a:bodyPr anchor="b"/>
           <a:lstStyle>
             <a:lvl1pPr>
-              <a:defRPr sz="2250"/>
+              <a:defRPr sz="4500"/>
             </a:lvl1pPr>
           </a:lstStyle>
           <a:p>
@@ -882,8 +882,8 @@
         </p:nvSpPr>
         <p:spPr>
           <a:xfrm>
-            <a:off x="311944" y="1835786"/>
-            <a:ext cx="3943350" cy="600075"/>
+            <a:off x="623888" y="3442098"/>
+            <a:ext cx="7886700" cy="1125141"/>
           </a:xfrm>
         </p:spPr>
         <p:txBody>
@@ -891,7 +891,7 @@
           <a:lstStyle>
             <a:lvl1pPr marL="0" indent="0">
               <a:buNone/>
-              <a:defRPr sz="900">
+              <a:defRPr sz="1800">
                 <a:solidFill>
                   <a:schemeClr val="tx1">
                     <a:tint val="75000"/>
@@ -899,9 +899,9 @@
                 </a:solidFill>
               </a:defRPr>
             </a:lvl1pPr>
-            <a:lvl2pPr marL="171459" indent="0">
-              <a:buNone/>
-              <a:defRPr sz="750">
+            <a:lvl2pPr marL="342942" indent="0">
+              <a:buNone/>
+              <a:defRPr sz="1499">
                 <a:solidFill>
                   <a:schemeClr val="tx1">
                     <a:tint val="75000"/>
@@ -909,9 +909,9 @@
                 </a:solidFill>
               </a:defRPr>
             </a:lvl2pPr>
-            <a:lvl3pPr marL="342917" indent="0">
-              <a:buNone/>
-              <a:defRPr sz="675">
+            <a:lvl3pPr marL="685884" indent="0">
+              <a:buNone/>
+              <a:defRPr sz="1350">
                 <a:solidFill>
                   <a:schemeClr val="tx1">
                     <a:tint val="75000"/>
@@ -919,9 +919,9 @@
                 </a:solidFill>
               </a:defRPr>
             </a:lvl3pPr>
-            <a:lvl4pPr marL="514376" indent="0">
-              <a:buNone/>
-              <a:defRPr sz="600">
+            <a:lvl4pPr marL="1028829" indent="0">
+              <a:buNone/>
+              <a:defRPr sz="1201">
                 <a:solidFill>
                   <a:schemeClr val="tx1">
                     <a:tint val="75000"/>
@@ -929,9 +929,9 @@
                 </a:solidFill>
               </a:defRPr>
             </a:lvl4pPr>
-            <a:lvl5pPr marL="685835" indent="0">
-              <a:buNone/>
-              <a:defRPr sz="600">
+            <a:lvl5pPr marL="1371772" indent="0">
+              <a:buNone/>
+              <a:defRPr sz="1201">
                 <a:solidFill>
                   <a:schemeClr val="tx1">
                     <a:tint val="75000"/>
@@ -939,9 +939,9 @@
                 </a:solidFill>
               </a:defRPr>
             </a:lvl5pPr>
-            <a:lvl6pPr marL="857294" indent="0">
-              <a:buNone/>
-              <a:defRPr sz="600">
+            <a:lvl6pPr marL="1714714" indent="0">
+              <a:buNone/>
+              <a:defRPr sz="1201">
                 <a:solidFill>
                   <a:schemeClr val="tx1">
                     <a:tint val="75000"/>
@@ -949,9 +949,9 @@
                 </a:solidFill>
               </a:defRPr>
             </a:lvl6pPr>
-            <a:lvl7pPr marL="1028751" indent="0">
-              <a:buNone/>
-              <a:defRPr sz="600">
+            <a:lvl7pPr marL="2057656" indent="0">
+              <a:buNone/>
+              <a:defRPr sz="1201">
                 <a:solidFill>
                   <a:schemeClr val="tx1">
                     <a:tint val="75000"/>
@@ -959,9 +959,9 @@
                 </a:solidFill>
               </a:defRPr>
             </a:lvl7pPr>
-            <a:lvl8pPr marL="1200210" indent="0">
-              <a:buNone/>
-              <a:defRPr sz="600">
+            <a:lvl8pPr marL="2400601" indent="0">
+              <a:buNone/>
+              <a:defRPr sz="1201">
                 <a:solidFill>
                   <a:schemeClr val="tx1">
                     <a:tint val="75000"/>
@@ -969,9 +969,9 @@
                 </a:solidFill>
               </a:defRPr>
             </a:lvl8pPr>
-            <a:lvl9pPr marL="1371669" indent="0">
-              <a:buNone/>
-              <a:defRPr sz="600">
+            <a:lvl9pPr marL="2743543" indent="0">
+              <a:buNone/>
+              <a:defRPr sz="1201">
                 <a:solidFill>
                   <a:schemeClr val="tx1">
                     <a:tint val="75000"/>
@@ -1057,7 +1057,7 @@
     </p:spTree>
     <p:extLst>
       <p:ext uri="{BB962C8B-B14F-4D97-AF65-F5344CB8AC3E}">
-        <p14:creationId xmlns:p14="http://schemas.microsoft.com/office/powerpoint/2010/main" val="3913626042"/>
+        <p14:creationId xmlns:p14="http://schemas.microsoft.com/office/powerpoint/2010/main" val="3661464535"/>
       </p:ext>
     </p:extLst>
   </p:cSld>
@@ -1119,8 +1119,8 @@
         </p:nvSpPr>
         <p:spPr>
           <a:xfrm>
-            <a:off x="314325" y="730252"/>
-            <a:ext cx="1943100" cy="1740536"/>
+            <a:off x="628650" y="1369219"/>
+            <a:ext cx="3886200" cy="3263504"/>
           </a:xfrm>
         </p:spPr>
         <p:txBody>
@@ -1176,8 +1176,8 @@
         </p:nvSpPr>
         <p:spPr>
           <a:xfrm>
-            <a:off x="2314575" y="730252"/>
-            <a:ext cx="1943100" cy="1740536"/>
+            <a:off x="4629150" y="1369219"/>
+            <a:ext cx="3886200" cy="3263504"/>
           </a:xfrm>
         </p:spPr>
         <p:txBody>
@@ -1289,7 +1289,7 @@
     </p:spTree>
     <p:extLst>
       <p:ext uri="{BB962C8B-B14F-4D97-AF65-F5344CB8AC3E}">
-        <p14:creationId xmlns:p14="http://schemas.microsoft.com/office/powerpoint/2010/main" val="3009899339"/>
+        <p14:creationId xmlns:p14="http://schemas.microsoft.com/office/powerpoint/2010/main" val="1184823756"/>
       </p:ext>
     </p:extLst>
   </p:cSld>
@@ -1328,8 +1328,8 @@
         </p:nvSpPr>
         <p:spPr>
           <a:xfrm>
-            <a:off x="314921" y="146051"/>
-            <a:ext cx="3943350" cy="530225"/>
+            <a:off x="629841" y="273846"/>
+            <a:ext cx="7886700" cy="994171"/>
           </a:xfrm>
         </p:spPr>
         <p:txBody>
@@ -1356,8 +1356,8 @@
         </p:nvSpPr>
         <p:spPr>
           <a:xfrm>
-            <a:off x="314921" y="672465"/>
-            <a:ext cx="1934170" cy="329565"/>
+            <a:off x="629842" y="1260872"/>
+            <a:ext cx="3868340" cy="617934"/>
           </a:xfrm>
         </p:spPr>
         <p:txBody>
@@ -1365,39 +1365,39 @@
           <a:lstStyle>
             <a:lvl1pPr marL="0" indent="0">
               <a:buNone/>
-              <a:defRPr sz="900" b="1"/>
+              <a:defRPr sz="1800" b="1"/>
             </a:lvl1pPr>
-            <a:lvl2pPr marL="171459" indent="0">
-              <a:buNone/>
-              <a:defRPr sz="750" b="1"/>
+            <a:lvl2pPr marL="342942" indent="0">
+              <a:buNone/>
+              <a:defRPr sz="1499" b="1"/>
             </a:lvl2pPr>
-            <a:lvl3pPr marL="342917" indent="0">
-              <a:buNone/>
-              <a:defRPr sz="675" b="1"/>
+            <a:lvl3pPr marL="685884" indent="0">
+              <a:buNone/>
+              <a:defRPr sz="1350" b="1"/>
             </a:lvl3pPr>
-            <a:lvl4pPr marL="514376" indent="0">
-              <a:buNone/>
-              <a:defRPr sz="600" b="1"/>
+            <a:lvl4pPr marL="1028829" indent="0">
+              <a:buNone/>
+              <a:defRPr sz="1201" b="1"/>
             </a:lvl4pPr>
-            <a:lvl5pPr marL="685835" indent="0">
-              <a:buNone/>
-              <a:defRPr sz="600" b="1"/>
+            <a:lvl5pPr marL="1371772" indent="0">
+              <a:buNone/>
+              <a:defRPr sz="1201" b="1"/>
             </a:lvl5pPr>
-            <a:lvl6pPr marL="857294" indent="0">
-              <a:buNone/>
-              <a:defRPr sz="600" b="1"/>
+            <a:lvl6pPr marL="1714714" indent="0">
+              <a:buNone/>
+              <a:defRPr sz="1201" b="1"/>
             </a:lvl6pPr>
-            <a:lvl7pPr marL="1028751" indent="0">
-              <a:buNone/>
-              <a:defRPr sz="600" b="1"/>
+            <a:lvl7pPr marL="2057656" indent="0">
+              <a:buNone/>
+              <a:defRPr sz="1201" b="1"/>
             </a:lvl7pPr>
-            <a:lvl8pPr marL="1200210" indent="0">
-              <a:buNone/>
-              <a:defRPr sz="600" b="1"/>
+            <a:lvl8pPr marL="2400601" indent="0">
+              <a:buNone/>
+              <a:defRPr sz="1201" b="1"/>
             </a:lvl8pPr>
-            <a:lvl9pPr marL="1371669" indent="0">
-              <a:buNone/>
-              <a:defRPr sz="600" b="1"/>
+            <a:lvl9pPr marL="2743543" indent="0">
+              <a:buNone/>
+              <a:defRPr sz="1201" b="1"/>
             </a:lvl9pPr>
           </a:lstStyle>
           <a:p>
@@ -1421,8 +1421,8 @@
         </p:nvSpPr>
         <p:spPr>
           <a:xfrm>
-            <a:off x="314921" y="1002031"/>
-            <a:ext cx="1934170" cy="1473836"/>
+            <a:off x="629842" y="1878807"/>
+            <a:ext cx="3868340" cy="2763442"/>
           </a:xfrm>
         </p:spPr>
         <p:txBody>
@@ -1478,8 +1478,8 @@
         </p:nvSpPr>
         <p:spPr>
           <a:xfrm>
-            <a:off x="2314575" y="672465"/>
-            <a:ext cx="1943696" cy="329565"/>
+            <a:off x="4629152" y="1260872"/>
+            <a:ext cx="3887391" cy="617934"/>
           </a:xfrm>
         </p:spPr>
         <p:txBody>
@@ -1487,39 +1487,39 @@
           <a:lstStyle>
             <a:lvl1pPr marL="0" indent="0">
               <a:buNone/>
-              <a:defRPr sz="900" b="1"/>
+              <a:defRPr sz="1800" b="1"/>
             </a:lvl1pPr>
-            <a:lvl2pPr marL="171459" indent="0">
-              <a:buNone/>
-              <a:defRPr sz="750" b="1"/>
+            <a:lvl2pPr marL="342942" indent="0">
+              <a:buNone/>
+              <a:defRPr sz="1499" b="1"/>
             </a:lvl2pPr>
-            <a:lvl3pPr marL="342917" indent="0">
-              <a:buNone/>
-              <a:defRPr sz="675" b="1"/>
+            <a:lvl3pPr marL="685884" indent="0">
+              <a:buNone/>
+              <a:defRPr sz="1350" b="1"/>
             </a:lvl3pPr>
-            <a:lvl4pPr marL="514376" indent="0">
-              <a:buNone/>
-              <a:defRPr sz="600" b="1"/>
+            <a:lvl4pPr marL="1028829" indent="0">
+              <a:buNone/>
+              <a:defRPr sz="1201" b="1"/>
             </a:lvl4pPr>
-            <a:lvl5pPr marL="685835" indent="0">
-              <a:buNone/>
-              <a:defRPr sz="600" b="1"/>
+            <a:lvl5pPr marL="1371772" indent="0">
+              <a:buNone/>
+              <a:defRPr sz="1201" b="1"/>
             </a:lvl5pPr>
-            <a:lvl6pPr marL="857294" indent="0">
-              <a:buNone/>
-              <a:defRPr sz="600" b="1"/>
+            <a:lvl6pPr marL="1714714" indent="0">
+              <a:buNone/>
+              <a:defRPr sz="1201" b="1"/>
             </a:lvl6pPr>
-            <a:lvl7pPr marL="1028751" indent="0">
-              <a:buNone/>
-              <a:defRPr sz="600" b="1"/>
+            <a:lvl7pPr marL="2057656" indent="0">
+              <a:buNone/>
+              <a:defRPr sz="1201" b="1"/>
             </a:lvl7pPr>
-            <a:lvl8pPr marL="1200210" indent="0">
-              <a:buNone/>
-              <a:defRPr sz="600" b="1"/>
+            <a:lvl8pPr marL="2400601" indent="0">
+              <a:buNone/>
+              <a:defRPr sz="1201" b="1"/>
             </a:lvl8pPr>
-            <a:lvl9pPr marL="1371669" indent="0">
-              <a:buNone/>
-              <a:defRPr sz="600" b="1"/>
+            <a:lvl9pPr marL="2743543" indent="0">
+              <a:buNone/>
+              <a:defRPr sz="1201" b="1"/>
             </a:lvl9pPr>
           </a:lstStyle>
           <a:p>
@@ -1543,8 +1543,8 @@
         </p:nvSpPr>
         <p:spPr>
           <a:xfrm>
-            <a:off x="2314575" y="1002031"/>
-            <a:ext cx="1943696" cy="1473836"/>
+            <a:off x="4629152" y="1878807"/>
+            <a:ext cx="3887391" cy="2763442"/>
           </a:xfrm>
         </p:spPr>
         <p:txBody>
@@ -1656,7 +1656,7 @@
     </p:spTree>
     <p:extLst>
       <p:ext uri="{BB962C8B-B14F-4D97-AF65-F5344CB8AC3E}">
-        <p14:creationId xmlns:p14="http://schemas.microsoft.com/office/powerpoint/2010/main" val="4087116857"/>
+        <p14:creationId xmlns:p14="http://schemas.microsoft.com/office/powerpoint/2010/main" val="1903673009"/>
       </p:ext>
     </p:extLst>
   </p:cSld>
@@ -1774,7 +1774,7 @@
     </p:spTree>
     <p:extLst>
       <p:ext uri="{BB962C8B-B14F-4D97-AF65-F5344CB8AC3E}">
-        <p14:creationId xmlns:p14="http://schemas.microsoft.com/office/powerpoint/2010/main" val="702965207"/>
+        <p14:creationId xmlns:p14="http://schemas.microsoft.com/office/powerpoint/2010/main" val="1176029782"/>
       </p:ext>
     </p:extLst>
   </p:cSld>
@@ -1869,7 +1869,7 @@
     </p:spTree>
     <p:extLst>
       <p:ext uri="{BB962C8B-B14F-4D97-AF65-F5344CB8AC3E}">
-        <p14:creationId xmlns:p14="http://schemas.microsoft.com/office/powerpoint/2010/main" val="3460641764"/>
+        <p14:creationId xmlns:p14="http://schemas.microsoft.com/office/powerpoint/2010/main" val="3749288546"/>
       </p:ext>
     </p:extLst>
   </p:cSld>
@@ -1908,15 +1908,15 @@
         </p:nvSpPr>
         <p:spPr>
           <a:xfrm>
-            <a:off x="314923" y="182880"/>
-            <a:ext cx="1474589" cy="640080"/>
+            <a:off x="629841" y="342900"/>
+            <a:ext cx="2949178" cy="1200150"/>
           </a:xfrm>
         </p:spPr>
         <p:txBody>
           <a:bodyPr anchor="b"/>
           <a:lstStyle>
             <a:lvl1pPr>
-              <a:defRPr sz="1200"/>
+              <a:defRPr sz="2399"/>
             </a:lvl1pPr>
           </a:lstStyle>
           <a:p>
@@ -1940,133 +1940,133 @@
         </p:nvSpPr>
         <p:spPr>
           <a:xfrm>
-            <a:off x="1943695" y="394972"/>
-            <a:ext cx="2314575" cy="1949450"/>
+            <a:off x="3887391" y="740572"/>
+            <a:ext cx="4629150" cy="3655218"/>
           </a:xfrm>
         </p:spPr>
         <p:txBody>
           <a:bodyPr/>
           <a:lstStyle>
             <a:lvl1pPr>
-              <a:defRPr sz="1200"/>
+              <a:defRPr sz="2399"/>
             </a:lvl1pPr>
             <a:lvl2pPr>
-              <a:defRPr sz="1050"/>
+              <a:defRPr sz="2101"/>
             </a:lvl2pPr>
             <a:lvl3pPr>
+              <a:defRPr sz="1800"/>
+            </a:lvl3pPr>
+            <a:lvl4pPr>
+              <a:defRPr sz="1499"/>
+            </a:lvl4pPr>
+            <a:lvl5pPr>
+              <a:defRPr sz="1499"/>
+            </a:lvl5pPr>
+            <a:lvl6pPr>
+              <a:defRPr sz="1499"/>
+            </a:lvl6pPr>
+            <a:lvl7pPr>
+              <a:defRPr sz="1499"/>
+            </a:lvl7pPr>
+            <a:lvl8pPr>
+              <a:defRPr sz="1499"/>
+            </a:lvl8pPr>
+            <a:lvl9pPr>
+              <a:defRPr sz="1499"/>
+            </a:lvl9pPr>
+          </a:lstStyle>
+          <a:p>
+            <a:pPr lvl="0"/>
+            <a:r>
+              <a:rPr lang="en-US"/>
+              <a:t>Click to edit Master text styles</a:t>
+            </a:r>
+          </a:p>
+          <a:p>
+            <a:pPr lvl="1"/>
+            <a:r>
+              <a:rPr lang="en-US"/>
+              <a:t>Second level</a:t>
+            </a:r>
+          </a:p>
+          <a:p>
+            <a:pPr lvl="2"/>
+            <a:r>
+              <a:rPr lang="en-US"/>
+              <a:t>Third level</a:t>
+            </a:r>
+          </a:p>
+          <a:p>
+            <a:pPr lvl="3"/>
+            <a:r>
+              <a:rPr lang="en-US"/>
+              <a:t>Fourth level</a:t>
+            </a:r>
+          </a:p>
+          <a:p>
+            <a:pPr lvl="4"/>
+            <a:r>
+              <a:rPr lang="en-US"/>
+              <a:t>Fifth level</a:t>
+            </a:r>
+            <a:endParaRPr lang="en-US" dirty="0"/>
+          </a:p>
+        </p:txBody>
+      </p:sp>
+      <p:sp>
+        <p:nvSpPr>
+          <p:cNvPr id="4" name="Text Placeholder 3"/>
+          <p:cNvSpPr>
+            <a:spLocks noGrp="1"/>
+          </p:cNvSpPr>
+          <p:nvPr>
+            <p:ph type="body" sz="half" idx="2"/>
+          </p:nvPr>
+        </p:nvSpPr>
+        <p:spPr>
+          <a:xfrm>
+            <a:off x="629841" y="1543051"/>
+            <a:ext cx="2949178" cy="2858690"/>
+          </a:xfrm>
+        </p:spPr>
+        <p:txBody>
+          <a:bodyPr/>
+          <a:lstStyle>
+            <a:lvl1pPr marL="0" indent="0">
+              <a:buNone/>
+              <a:defRPr sz="1201"/>
+            </a:lvl1pPr>
+            <a:lvl2pPr marL="342942" indent="0">
+              <a:buNone/>
+              <a:defRPr sz="1049"/>
+            </a:lvl2pPr>
+            <a:lvl3pPr marL="685884" indent="0">
+              <a:buNone/>
               <a:defRPr sz="900"/>
             </a:lvl3pPr>
-            <a:lvl4pPr>
-              <a:defRPr sz="750"/>
+            <a:lvl4pPr marL="1028829" indent="0">
+              <a:buNone/>
+              <a:defRPr sz="751"/>
             </a:lvl4pPr>
-            <a:lvl5pPr>
-              <a:defRPr sz="750"/>
+            <a:lvl5pPr marL="1371772" indent="0">
+              <a:buNone/>
+              <a:defRPr sz="751"/>
             </a:lvl5pPr>
-            <a:lvl6pPr>
-              <a:defRPr sz="750"/>
+            <a:lvl6pPr marL="1714714" indent="0">
+              <a:buNone/>
+              <a:defRPr sz="751"/>
             </a:lvl6pPr>
-            <a:lvl7pPr>
-              <a:defRPr sz="750"/>
+            <a:lvl7pPr marL="2057656" indent="0">
+              <a:buNone/>
+              <a:defRPr sz="751"/>
             </a:lvl7pPr>
-            <a:lvl8pPr>
-              <a:defRPr sz="750"/>
+            <a:lvl8pPr marL="2400601" indent="0">
+              <a:buNone/>
+              <a:defRPr sz="751"/>
             </a:lvl8pPr>
-            <a:lvl9pPr>
-              <a:defRPr sz="750"/>
-            </a:lvl9pPr>
-          </a:lstStyle>
-          <a:p>
-            <a:pPr lvl="0"/>
-            <a:r>
-              <a:rPr lang="en-US"/>
-              <a:t>Click to edit Master text styles</a:t>
-            </a:r>
-          </a:p>
-          <a:p>
-            <a:pPr lvl="1"/>
-            <a:r>
-              <a:rPr lang="en-US"/>
-              <a:t>Second level</a:t>
-            </a:r>
-          </a:p>
-          <a:p>
-            <a:pPr lvl="2"/>
-            <a:r>
-              <a:rPr lang="en-US"/>
-              <a:t>Third level</a:t>
-            </a:r>
-          </a:p>
-          <a:p>
-            <a:pPr lvl="3"/>
-            <a:r>
-              <a:rPr lang="en-US"/>
-              <a:t>Fourth level</a:t>
-            </a:r>
-          </a:p>
-          <a:p>
-            <a:pPr lvl="4"/>
-            <a:r>
-              <a:rPr lang="en-US"/>
-              <a:t>Fifth level</a:t>
-            </a:r>
-            <a:endParaRPr lang="en-US" dirty="0"/>
-          </a:p>
-        </p:txBody>
-      </p:sp>
-      <p:sp>
-        <p:nvSpPr>
-          <p:cNvPr id="4" name="Text Placeholder 3"/>
-          <p:cNvSpPr>
-            <a:spLocks noGrp="1"/>
-          </p:cNvSpPr>
-          <p:nvPr>
-            <p:ph type="body" sz="half" idx="2"/>
-          </p:nvPr>
-        </p:nvSpPr>
-        <p:spPr>
-          <a:xfrm>
-            <a:off x="314923" y="822962"/>
-            <a:ext cx="1474589" cy="1524635"/>
-          </a:xfrm>
-        </p:spPr>
-        <p:txBody>
-          <a:bodyPr/>
-          <a:lstStyle>
-            <a:lvl1pPr marL="0" indent="0">
-              <a:buNone/>
-              <a:defRPr sz="600"/>
-            </a:lvl1pPr>
-            <a:lvl2pPr marL="171459" indent="0">
-              <a:buNone/>
-              <a:defRPr sz="525"/>
-            </a:lvl2pPr>
-            <a:lvl3pPr marL="342917" indent="0">
-              <a:buNone/>
-              <a:defRPr sz="450"/>
-            </a:lvl3pPr>
-            <a:lvl4pPr marL="514376" indent="0">
-              <a:buNone/>
-              <a:defRPr sz="375"/>
-            </a:lvl4pPr>
-            <a:lvl5pPr marL="685835" indent="0">
-              <a:buNone/>
-              <a:defRPr sz="375"/>
-            </a:lvl5pPr>
-            <a:lvl6pPr marL="857294" indent="0">
-              <a:buNone/>
-              <a:defRPr sz="375"/>
-            </a:lvl6pPr>
-            <a:lvl7pPr marL="1028751" indent="0">
-              <a:buNone/>
-              <a:defRPr sz="375"/>
-            </a:lvl7pPr>
-            <a:lvl8pPr marL="1200210" indent="0">
-              <a:buNone/>
-              <a:defRPr sz="375"/>
-            </a:lvl8pPr>
-            <a:lvl9pPr marL="1371669" indent="0">
-              <a:buNone/>
-              <a:defRPr sz="375"/>
+            <a:lvl9pPr marL="2743543" indent="0">
+              <a:buNone/>
+              <a:defRPr sz="751"/>
             </a:lvl9pPr>
           </a:lstStyle>
           <a:p>
@@ -2146,7 +2146,7 @@
     </p:spTree>
     <p:extLst>
       <p:ext uri="{BB962C8B-B14F-4D97-AF65-F5344CB8AC3E}">
-        <p14:creationId xmlns:p14="http://schemas.microsoft.com/office/powerpoint/2010/main" val="2259187126"/>
+        <p14:creationId xmlns:p14="http://schemas.microsoft.com/office/powerpoint/2010/main" val="3990487907"/>
       </p:ext>
     </p:extLst>
   </p:cSld>
@@ -2185,15 +2185,15 @@
         </p:nvSpPr>
         <p:spPr>
           <a:xfrm>
-            <a:off x="314923" y="182880"/>
-            <a:ext cx="1474589" cy="640080"/>
+            <a:off x="629841" y="342900"/>
+            <a:ext cx="2949178" cy="1200150"/>
           </a:xfrm>
         </p:spPr>
         <p:txBody>
           <a:bodyPr anchor="b"/>
           <a:lstStyle>
             <a:lvl1pPr>
-              <a:defRPr sz="1200"/>
+              <a:defRPr sz="2399"/>
             </a:lvl1pPr>
           </a:lstStyle>
           <a:p>
@@ -2217,8 +2217,8 @@
         </p:nvSpPr>
         <p:spPr>
           <a:xfrm>
-            <a:off x="1943695" y="394972"/>
-            <a:ext cx="2314575" cy="1949450"/>
+            <a:off x="3887391" y="740572"/>
+            <a:ext cx="4629150" cy="3655218"/>
           </a:xfrm>
         </p:spPr>
         <p:txBody>
@@ -2226,104 +2226,104 @@
           <a:lstStyle>
             <a:lvl1pPr marL="0" indent="0">
               <a:buNone/>
-              <a:defRPr sz="1200"/>
+              <a:defRPr sz="2399"/>
             </a:lvl1pPr>
-            <a:lvl2pPr marL="171459" indent="0">
-              <a:buNone/>
-              <a:defRPr sz="1050"/>
+            <a:lvl2pPr marL="342942" indent="0">
+              <a:buNone/>
+              <a:defRPr sz="2101"/>
             </a:lvl2pPr>
-            <a:lvl3pPr marL="342917" indent="0">
+            <a:lvl3pPr marL="685884" indent="0">
+              <a:buNone/>
+              <a:defRPr sz="1800"/>
+            </a:lvl3pPr>
+            <a:lvl4pPr marL="1028829" indent="0">
+              <a:buNone/>
+              <a:defRPr sz="1499"/>
+            </a:lvl4pPr>
+            <a:lvl5pPr marL="1371772" indent="0">
+              <a:buNone/>
+              <a:defRPr sz="1499"/>
+            </a:lvl5pPr>
+            <a:lvl6pPr marL="1714714" indent="0">
+              <a:buNone/>
+              <a:defRPr sz="1499"/>
+            </a:lvl6pPr>
+            <a:lvl7pPr marL="2057656" indent="0">
+              <a:buNone/>
+              <a:defRPr sz="1499"/>
+            </a:lvl7pPr>
+            <a:lvl8pPr marL="2400601" indent="0">
+              <a:buNone/>
+              <a:defRPr sz="1499"/>
+            </a:lvl8pPr>
+            <a:lvl9pPr marL="2743543" indent="0">
+              <a:buNone/>
+              <a:defRPr sz="1499"/>
+            </a:lvl9pPr>
+          </a:lstStyle>
+          <a:p>
+            <a:r>
+              <a:rPr lang="en-US"/>
+              <a:t>Click icon to add picture</a:t>
+            </a:r>
+            <a:endParaRPr lang="en-US" dirty="0"/>
+          </a:p>
+        </p:txBody>
+      </p:sp>
+      <p:sp>
+        <p:nvSpPr>
+          <p:cNvPr id="4" name="Text Placeholder 3"/>
+          <p:cNvSpPr>
+            <a:spLocks noGrp="1"/>
+          </p:cNvSpPr>
+          <p:nvPr>
+            <p:ph type="body" sz="half" idx="2"/>
+          </p:nvPr>
+        </p:nvSpPr>
+        <p:spPr>
+          <a:xfrm>
+            <a:off x="629841" y="1543051"/>
+            <a:ext cx="2949178" cy="2858690"/>
+          </a:xfrm>
+        </p:spPr>
+        <p:txBody>
+          <a:bodyPr/>
+          <a:lstStyle>
+            <a:lvl1pPr marL="0" indent="0">
+              <a:buNone/>
+              <a:defRPr sz="1201"/>
+            </a:lvl1pPr>
+            <a:lvl2pPr marL="342942" indent="0">
+              <a:buNone/>
+              <a:defRPr sz="1049"/>
+            </a:lvl2pPr>
+            <a:lvl3pPr marL="685884" indent="0">
               <a:buNone/>
               <a:defRPr sz="900"/>
             </a:lvl3pPr>
-            <a:lvl4pPr marL="514376" indent="0">
-              <a:buNone/>
-              <a:defRPr sz="750"/>
+            <a:lvl4pPr marL="1028829" indent="0">
+              <a:buNone/>
+              <a:defRPr sz="751"/>
             </a:lvl4pPr>
-            <a:lvl5pPr marL="685835" indent="0">
-              <a:buNone/>
-              <a:defRPr sz="750"/>
+            <a:lvl5pPr marL="1371772" indent="0">
+              <a:buNone/>
+              <a:defRPr sz="751"/>
             </a:lvl5pPr>
-            <a:lvl6pPr marL="857294" indent="0">
-              <a:buNone/>
-              <a:defRPr sz="750"/>
+            <a:lvl6pPr marL="1714714" indent="0">
+              <a:buNone/>
+              <a:defRPr sz="751"/>
             </a:lvl6pPr>
-            <a:lvl7pPr marL="1028751" indent="0">
-              <a:buNone/>
-              <a:defRPr sz="750"/>
+            <a:lvl7pPr marL="2057656" indent="0">
+              <a:buNone/>
+              <a:defRPr sz="751"/>
             </a:lvl7pPr>
-            <a:lvl8pPr marL="1200210" indent="0">
-              <a:buNone/>
-              <a:defRPr sz="750"/>
+            <a:lvl8pPr marL="2400601" indent="0">
+              <a:buNone/>
+              <a:defRPr sz="751"/>
             </a:lvl8pPr>
-            <a:lvl9pPr marL="1371669" indent="0">
-              <a:buNone/>
-              <a:defRPr sz="750"/>
-            </a:lvl9pPr>
-          </a:lstStyle>
-          <a:p>
-            <a:r>
-              <a:rPr lang="en-US"/>
-              <a:t>Click icon to add picture</a:t>
-            </a:r>
-            <a:endParaRPr lang="en-US" dirty="0"/>
-          </a:p>
-        </p:txBody>
-      </p:sp>
-      <p:sp>
-        <p:nvSpPr>
-          <p:cNvPr id="4" name="Text Placeholder 3"/>
-          <p:cNvSpPr>
-            <a:spLocks noGrp="1"/>
-          </p:cNvSpPr>
-          <p:nvPr>
-            <p:ph type="body" sz="half" idx="2"/>
-          </p:nvPr>
-        </p:nvSpPr>
-        <p:spPr>
-          <a:xfrm>
-            <a:off x="314923" y="822962"/>
-            <a:ext cx="1474589" cy="1524635"/>
-          </a:xfrm>
-        </p:spPr>
-        <p:txBody>
-          <a:bodyPr/>
-          <a:lstStyle>
-            <a:lvl1pPr marL="0" indent="0">
-              <a:buNone/>
-              <a:defRPr sz="600"/>
-            </a:lvl1pPr>
-            <a:lvl2pPr marL="171459" indent="0">
-              <a:buNone/>
-              <a:defRPr sz="525"/>
-            </a:lvl2pPr>
-            <a:lvl3pPr marL="342917" indent="0">
-              <a:buNone/>
-              <a:defRPr sz="450"/>
-            </a:lvl3pPr>
-            <a:lvl4pPr marL="514376" indent="0">
-              <a:buNone/>
-              <a:defRPr sz="375"/>
-            </a:lvl4pPr>
-            <a:lvl5pPr marL="685835" indent="0">
-              <a:buNone/>
-              <a:defRPr sz="375"/>
-            </a:lvl5pPr>
-            <a:lvl6pPr marL="857294" indent="0">
-              <a:buNone/>
-              <a:defRPr sz="375"/>
-            </a:lvl6pPr>
-            <a:lvl7pPr marL="1028751" indent="0">
-              <a:buNone/>
-              <a:defRPr sz="375"/>
-            </a:lvl7pPr>
-            <a:lvl8pPr marL="1200210" indent="0">
-              <a:buNone/>
-              <a:defRPr sz="375"/>
-            </a:lvl8pPr>
-            <a:lvl9pPr marL="1371669" indent="0">
-              <a:buNone/>
-              <a:defRPr sz="375"/>
+            <a:lvl9pPr marL="2743543" indent="0">
+              <a:buNone/>
+              <a:defRPr sz="751"/>
             </a:lvl9pPr>
           </a:lstStyle>
           <a:p>
@@ -2403,7 +2403,7 @@
     </p:spTree>
     <p:extLst>
       <p:ext uri="{BB962C8B-B14F-4D97-AF65-F5344CB8AC3E}">
-        <p14:creationId xmlns:p14="http://schemas.microsoft.com/office/powerpoint/2010/main" val="435062024"/>
+        <p14:creationId xmlns:p14="http://schemas.microsoft.com/office/powerpoint/2010/main" val="842109132"/>
       </p:ext>
     </p:extLst>
   </p:cSld>
@@ -2447,8 +2447,8 @@
         </p:nvSpPr>
         <p:spPr>
           <a:xfrm>
-            <a:off x="314325" y="146051"/>
-            <a:ext cx="3943350" cy="530225"/>
+            <a:off x="628650" y="273846"/>
+            <a:ext cx="7886700" cy="994171"/>
           </a:xfrm>
           <a:prstGeom prst="rect">
             <a:avLst/>
@@ -2480,8 +2480,8 @@
         </p:nvSpPr>
         <p:spPr>
           <a:xfrm>
-            <a:off x="314325" y="730252"/>
-            <a:ext cx="3943350" cy="1740536"/>
+            <a:off x="628650" y="1369219"/>
+            <a:ext cx="7886700" cy="3263504"/>
           </a:xfrm>
           <a:prstGeom prst="rect">
             <a:avLst/>
@@ -2542,8 +2542,8 @@
         </p:nvSpPr>
         <p:spPr>
           <a:xfrm>
-            <a:off x="314325" y="2542541"/>
-            <a:ext cx="1028700" cy="146051"/>
+            <a:off x="628650" y="4767265"/>
+            <a:ext cx="2057400" cy="273845"/>
           </a:xfrm>
           <a:prstGeom prst="rect">
             <a:avLst/>
@@ -2553,7 +2553,7 @@
           <a:bodyPr vert="horz" lIns="91440" tIns="45720" rIns="91440" bIns="45720" rtlCol="0" anchor="ctr"/>
           <a:lstStyle>
             <a:lvl1pPr algn="l">
-              <a:defRPr sz="450">
+              <a:defRPr sz="900">
                 <a:solidFill>
                   <a:schemeClr val="tx1">
                     <a:tint val="75000"/>
@@ -2583,8 +2583,8 @@
         </p:nvSpPr>
         <p:spPr>
           <a:xfrm>
-            <a:off x="1514475" y="2542541"/>
-            <a:ext cx="1543050" cy="146051"/>
+            <a:off x="3028950" y="4767265"/>
+            <a:ext cx="3086100" cy="273845"/>
           </a:xfrm>
           <a:prstGeom prst="rect">
             <a:avLst/>
@@ -2594,7 +2594,7 @@
           <a:bodyPr vert="horz" lIns="91440" tIns="45720" rIns="91440" bIns="45720" rtlCol="0" anchor="ctr"/>
           <a:lstStyle>
             <a:lvl1pPr algn="ctr">
-              <a:defRPr sz="450">
+              <a:defRPr sz="900">
                 <a:solidFill>
                   <a:schemeClr val="tx1">
                     <a:tint val="75000"/>
@@ -2620,8 +2620,8 @@
         </p:nvSpPr>
         <p:spPr>
           <a:xfrm>
-            <a:off x="3228975" y="2542541"/>
-            <a:ext cx="1028700" cy="146051"/>
+            <a:off x="6457950" y="4767265"/>
+            <a:ext cx="2057400" cy="273845"/>
           </a:xfrm>
           <a:prstGeom prst="rect">
             <a:avLst/>
@@ -2631,7 +2631,7 @@
           <a:bodyPr vert="horz" lIns="91440" tIns="45720" rIns="91440" bIns="45720" rtlCol="0" anchor="ctr"/>
           <a:lstStyle>
             <a:lvl1pPr algn="r">
-              <a:defRPr sz="450">
+              <a:defRPr sz="900">
                 <a:solidFill>
                   <a:schemeClr val="tx1">
                     <a:tint val="75000"/>
@@ -2652,27 +2652,27 @@
     </p:spTree>
     <p:extLst>
       <p:ext uri="{BB962C8B-B14F-4D97-AF65-F5344CB8AC3E}">
-        <p14:creationId xmlns:p14="http://schemas.microsoft.com/office/powerpoint/2010/main" val="1785454569"/>
+        <p14:creationId xmlns:p14="http://schemas.microsoft.com/office/powerpoint/2010/main" val="733620154"/>
       </p:ext>
     </p:extLst>
   </p:cSld>
   <p:clrMap bg1="lt1" tx1="dk1" bg2="lt2" tx2="dk2" accent1="accent1" accent2="accent2" accent3="accent3" accent4="accent4" accent5="accent5" accent6="accent6" hlink="hlink" folHlink="folHlink"/>
   <p:sldLayoutIdLst>
-    <p:sldLayoutId id="2147483685" r:id="rId1"/>
-    <p:sldLayoutId id="2147483686" r:id="rId2"/>
-    <p:sldLayoutId id="2147483687" r:id="rId3"/>
-    <p:sldLayoutId id="2147483688" r:id="rId4"/>
-    <p:sldLayoutId id="2147483689" r:id="rId5"/>
-    <p:sldLayoutId id="2147483690" r:id="rId6"/>
-    <p:sldLayoutId id="2147483691" r:id="rId7"/>
-    <p:sldLayoutId id="2147483692" r:id="rId8"/>
-    <p:sldLayoutId id="2147483693" r:id="rId9"/>
-    <p:sldLayoutId id="2147483694" r:id="rId10"/>
-    <p:sldLayoutId id="2147483695" r:id="rId11"/>
+    <p:sldLayoutId id="2147483709" r:id="rId1"/>
+    <p:sldLayoutId id="2147483710" r:id="rId2"/>
+    <p:sldLayoutId id="2147483711" r:id="rId3"/>
+    <p:sldLayoutId id="2147483712" r:id="rId4"/>
+    <p:sldLayoutId id="2147483713" r:id="rId5"/>
+    <p:sldLayoutId id="2147483714" r:id="rId6"/>
+    <p:sldLayoutId id="2147483715" r:id="rId7"/>
+    <p:sldLayoutId id="2147483716" r:id="rId8"/>
+    <p:sldLayoutId id="2147483717" r:id="rId9"/>
+    <p:sldLayoutId id="2147483718" r:id="rId10"/>
+    <p:sldLayoutId id="2147483719" r:id="rId11"/>
   </p:sldLayoutIdLst>
   <p:txStyles>
     <p:titleStyle>
-      <a:lvl1pPr algn="l" defTabSz="342917" rtl="0" eaLnBrk="1" latinLnBrk="0" hangingPunct="1">
+      <a:lvl1pPr algn="l" defTabSz="685884" rtl="0" eaLnBrk="1" latinLnBrk="0" hangingPunct="1">
         <a:lnSpc>
           <a:spcPct val="90000"/>
         </a:lnSpc>
@@ -2680,7 +2680,7 @@
           <a:spcPct val="0"/>
         </a:spcBef>
         <a:buNone/>
-        <a:defRPr sz="1650" kern="1200">
+        <a:defRPr sz="3299" kern="1200">
           <a:solidFill>
             <a:schemeClr val="tx1"/>
           </a:solidFill>
@@ -2691,16 +2691,16 @@
       </a:lvl1pPr>
     </p:titleStyle>
     <p:bodyStyle>
-      <a:lvl1pPr marL="85730" indent="-85730" algn="l" defTabSz="342917" rtl="0" eaLnBrk="1" latinLnBrk="0" hangingPunct="1">
+      <a:lvl1pPr marL="171473" indent="-171473" algn="l" defTabSz="685884" rtl="0" eaLnBrk="1" latinLnBrk="0" hangingPunct="1">
         <a:lnSpc>
           <a:spcPct val="90000"/>
         </a:lnSpc>
         <a:spcBef>
-          <a:spcPts val="375"/>
+          <a:spcPts val="751"/>
         </a:spcBef>
         <a:buFont typeface="Arial" panose="020B0604020202020204" pitchFamily="34" charset="0"/>
         <a:buChar char="•"/>
-        <a:defRPr sz="1050" kern="1200">
+        <a:defRPr sz="2101" kern="1200">
           <a:solidFill>
             <a:schemeClr val="tx1"/>
           </a:solidFill>
@@ -2709,16 +2709,16 @@
           <a:cs typeface="+mn-cs"/>
         </a:defRPr>
       </a:lvl1pPr>
-      <a:lvl2pPr marL="257189" indent="-85730" algn="l" defTabSz="342917" rtl="0" eaLnBrk="1" latinLnBrk="0" hangingPunct="1">
+      <a:lvl2pPr marL="514415" indent="-171473" algn="l" defTabSz="685884" rtl="0" eaLnBrk="1" latinLnBrk="0" hangingPunct="1">
         <a:lnSpc>
           <a:spcPct val="90000"/>
         </a:lnSpc>
         <a:spcBef>
-          <a:spcPts val="188"/>
+          <a:spcPts val="374"/>
         </a:spcBef>
         <a:buFont typeface="Arial" panose="020B0604020202020204" pitchFamily="34" charset="0"/>
         <a:buChar char="•"/>
-        <a:defRPr sz="900" kern="1200">
+        <a:defRPr sz="1800" kern="1200">
           <a:solidFill>
             <a:schemeClr val="tx1"/>
           </a:solidFill>
@@ -2727,16 +2727,16 @@
           <a:cs typeface="+mn-cs"/>
         </a:defRPr>
       </a:lvl2pPr>
-      <a:lvl3pPr marL="428646" indent="-85730" algn="l" defTabSz="342917" rtl="0" eaLnBrk="1" latinLnBrk="0" hangingPunct="1">
+      <a:lvl3pPr marL="857357" indent="-171473" algn="l" defTabSz="685884" rtl="0" eaLnBrk="1" latinLnBrk="0" hangingPunct="1">
         <a:lnSpc>
           <a:spcPct val="90000"/>
         </a:lnSpc>
         <a:spcBef>
-          <a:spcPts val="188"/>
+          <a:spcPts val="374"/>
         </a:spcBef>
         <a:buFont typeface="Arial" panose="020B0604020202020204" pitchFamily="34" charset="0"/>
         <a:buChar char="•"/>
-        <a:defRPr sz="750" kern="1200">
+        <a:defRPr sz="1499" kern="1200">
           <a:solidFill>
             <a:schemeClr val="tx1"/>
           </a:solidFill>
@@ -2745,16 +2745,16 @@
           <a:cs typeface="+mn-cs"/>
         </a:defRPr>
       </a:lvl3pPr>
-      <a:lvl4pPr marL="600105" indent="-85730" algn="l" defTabSz="342917" rtl="0" eaLnBrk="1" latinLnBrk="0" hangingPunct="1">
+      <a:lvl4pPr marL="1200299" indent="-171473" algn="l" defTabSz="685884" rtl="0" eaLnBrk="1" latinLnBrk="0" hangingPunct="1">
         <a:lnSpc>
           <a:spcPct val="90000"/>
         </a:lnSpc>
         <a:spcBef>
-          <a:spcPts val="188"/>
+          <a:spcPts val="374"/>
         </a:spcBef>
         <a:buFont typeface="Arial" panose="020B0604020202020204" pitchFamily="34" charset="0"/>
         <a:buChar char="•"/>
-        <a:defRPr sz="675" kern="1200">
+        <a:defRPr sz="1350" kern="1200">
           <a:solidFill>
             <a:schemeClr val="tx1"/>
           </a:solidFill>
@@ -2763,16 +2763,16 @@
           <a:cs typeface="+mn-cs"/>
         </a:defRPr>
       </a:lvl4pPr>
-      <a:lvl5pPr marL="771564" indent="-85730" algn="l" defTabSz="342917" rtl="0" eaLnBrk="1" latinLnBrk="0" hangingPunct="1">
+      <a:lvl5pPr marL="1543244" indent="-171473" algn="l" defTabSz="685884" rtl="0" eaLnBrk="1" latinLnBrk="0" hangingPunct="1">
         <a:lnSpc>
           <a:spcPct val="90000"/>
         </a:lnSpc>
         <a:spcBef>
-          <a:spcPts val="188"/>
+          <a:spcPts val="374"/>
         </a:spcBef>
         <a:buFont typeface="Arial" panose="020B0604020202020204" pitchFamily="34" charset="0"/>
         <a:buChar char="•"/>
-        <a:defRPr sz="675" kern="1200">
+        <a:defRPr sz="1350" kern="1200">
           <a:solidFill>
             <a:schemeClr val="tx1"/>
           </a:solidFill>
@@ -2781,16 +2781,16 @@
           <a:cs typeface="+mn-cs"/>
         </a:defRPr>
       </a:lvl5pPr>
-      <a:lvl6pPr marL="943022" indent="-85730" algn="l" defTabSz="342917" rtl="0" eaLnBrk="1" latinLnBrk="0" hangingPunct="1">
+      <a:lvl6pPr marL="1886186" indent="-171473" algn="l" defTabSz="685884" rtl="0" eaLnBrk="1" latinLnBrk="0" hangingPunct="1">
         <a:lnSpc>
           <a:spcPct val="90000"/>
         </a:lnSpc>
         <a:spcBef>
-          <a:spcPts val="188"/>
+          <a:spcPts val="374"/>
         </a:spcBef>
         <a:buFont typeface="Arial" panose="020B0604020202020204" pitchFamily="34" charset="0"/>
         <a:buChar char="•"/>
-        <a:defRPr sz="675" kern="1200">
+        <a:defRPr sz="1350" kern="1200">
           <a:solidFill>
             <a:schemeClr val="tx1"/>
           </a:solidFill>
@@ -2799,16 +2799,16 @@
           <a:cs typeface="+mn-cs"/>
         </a:defRPr>
       </a:lvl6pPr>
-      <a:lvl7pPr marL="1114481" indent="-85730" algn="l" defTabSz="342917" rtl="0" eaLnBrk="1" latinLnBrk="0" hangingPunct="1">
+      <a:lvl7pPr marL="2229128" indent="-171473" algn="l" defTabSz="685884" rtl="0" eaLnBrk="1" latinLnBrk="0" hangingPunct="1">
         <a:lnSpc>
           <a:spcPct val="90000"/>
         </a:lnSpc>
         <a:spcBef>
-          <a:spcPts val="188"/>
+          <a:spcPts val="374"/>
         </a:spcBef>
         <a:buFont typeface="Arial" panose="020B0604020202020204" pitchFamily="34" charset="0"/>
         <a:buChar char="•"/>
-        <a:defRPr sz="675" kern="1200">
+        <a:defRPr sz="1350" kern="1200">
           <a:solidFill>
             <a:schemeClr val="tx1"/>
           </a:solidFill>
@@ -2817,16 +2817,16 @@
           <a:cs typeface="+mn-cs"/>
         </a:defRPr>
       </a:lvl7pPr>
-      <a:lvl8pPr marL="1285940" indent="-85730" algn="l" defTabSz="342917" rtl="0" eaLnBrk="1" latinLnBrk="0" hangingPunct="1">
+      <a:lvl8pPr marL="2572071" indent="-171473" algn="l" defTabSz="685884" rtl="0" eaLnBrk="1" latinLnBrk="0" hangingPunct="1">
         <a:lnSpc>
           <a:spcPct val="90000"/>
         </a:lnSpc>
         <a:spcBef>
-          <a:spcPts val="188"/>
+          <a:spcPts val="374"/>
         </a:spcBef>
         <a:buFont typeface="Arial" panose="020B0604020202020204" pitchFamily="34" charset="0"/>
         <a:buChar char="•"/>
-        <a:defRPr sz="675" kern="1200">
+        <a:defRPr sz="1350" kern="1200">
           <a:solidFill>
             <a:schemeClr val="tx1"/>
           </a:solidFill>
@@ -2835,16 +2835,16 @@
           <a:cs typeface="+mn-cs"/>
         </a:defRPr>
       </a:lvl8pPr>
-      <a:lvl9pPr marL="1457399" indent="-85730" algn="l" defTabSz="342917" rtl="0" eaLnBrk="1" latinLnBrk="0" hangingPunct="1">
+      <a:lvl9pPr marL="2915016" indent="-171473" algn="l" defTabSz="685884" rtl="0" eaLnBrk="1" latinLnBrk="0" hangingPunct="1">
         <a:lnSpc>
           <a:spcPct val="90000"/>
         </a:lnSpc>
         <a:spcBef>
-          <a:spcPts val="188"/>
+          <a:spcPts val="374"/>
         </a:spcBef>
         <a:buFont typeface="Arial" panose="020B0604020202020204" pitchFamily="34" charset="0"/>
         <a:buChar char="•"/>
-        <a:defRPr sz="675" kern="1200">
+        <a:defRPr sz="1350" kern="1200">
           <a:solidFill>
             <a:schemeClr val="tx1"/>
           </a:solidFill>
@@ -2858,8 +2858,8 @@
       <a:defPPr>
         <a:defRPr lang="en-US"/>
       </a:defPPr>
-      <a:lvl1pPr marL="0" algn="l" defTabSz="342917" rtl="0" eaLnBrk="1" latinLnBrk="0" hangingPunct="1">
-        <a:defRPr sz="675" kern="1200">
+      <a:lvl1pPr marL="0" algn="l" defTabSz="685884" rtl="0" eaLnBrk="1" latinLnBrk="0" hangingPunct="1">
+        <a:defRPr sz="1350" kern="1200">
           <a:solidFill>
             <a:schemeClr val="tx1"/>
           </a:solidFill>
@@ -2868,8 +2868,8 @@
           <a:cs typeface="+mn-cs"/>
         </a:defRPr>
       </a:lvl1pPr>
-      <a:lvl2pPr marL="171459" algn="l" defTabSz="342917" rtl="0" eaLnBrk="1" latinLnBrk="0" hangingPunct="1">
-        <a:defRPr sz="675" kern="1200">
+      <a:lvl2pPr marL="342942" algn="l" defTabSz="685884" rtl="0" eaLnBrk="1" latinLnBrk="0" hangingPunct="1">
+        <a:defRPr sz="1350" kern="1200">
           <a:solidFill>
             <a:schemeClr val="tx1"/>
           </a:solidFill>
@@ -2878,8 +2878,8 @@
           <a:cs typeface="+mn-cs"/>
         </a:defRPr>
       </a:lvl2pPr>
-      <a:lvl3pPr marL="342917" algn="l" defTabSz="342917" rtl="0" eaLnBrk="1" latinLnBrk="0" hangingPunct="1">
-        <a:defRPr sz="675" kern="1200">
+      <a:lvl3pPr marL="685884" algn="l" defTabSz="685884" rtl="0" eaLnBrk="1" latinLnBrk="0" hangingPunct="1">
+        <a:defRPr sz="1350" kern="1200">
           <a:solidFill>
             <a:schemeClr val="tx1"/>
           </a:solidFill>
@@ -2888,8 +2888,8 @@
           <a:cs typeface="+mn-cs"/>
         </a:defRPr>
       </a:lvl3pPr>
-      <a:lvl4pPr marL="514376" algn="l" defTabSz="342917" rtl="0" eaLnBrk="1" latinLnBrk="0" hangingPunct="1">
-        <a:defRPr sz="675" kern="1200">
+      <a:lvl4pPr marL="1028829" algn="l" defTabSz="685884" rtl="0" eaLnBrk="1" latinLnBrk="0" hangingPunct="1">
+        <a:defRPr sz="1350" kern="1200">
           <a:solidFill>
             <a:schemeClr val="tx1"/>
           </a:solidFill>
@@ -2898,8 +2898,8 @@
           <a:cs typeface="+mn-cs"/>
         </a:defRPr>
       </a:lvl4pPr>
-      <a:lvl5pPr marL="685835" algn="l" defTabSz="342917" rtl="0" eaLnBrk="1" latinLnBrk="0" hangingPunct="1">
-        <a:defRPr sz="675" kern="1200">
+      <a:lvl5pPr marL="1371772" algn="l" defTabSz="685884" rtl="0" eaLnBrk="1" latinLnBrk="0" hangingPunct="1">
+        <a:defRPr sz="1350" kern="1200">
           <a:solidFill>
             <a:schemeClr val="tx1"/>
           </a:solidFill>
@@ -2908,8 +2908,8 @@
           <a:cs typeface="+mn-cs"/>
         </a:defRPr>
       </a:lvl5pPr>
-      <a:lvl6pPr marL="857294" algn="l" defTabSz="342917" rtl="0" eaLnBrk="1" latinLnBrk="0" hangingPunct="1">
-        <a:defRPr sz="675" kern="1200">
+      <a:lvl6pPr marL="1714714" algn="l" defTabSz="685884" rtl="0" eaLnBrk="1" latinLnBrk="0" hangingPunct="1">
+        <a:defRPr sz="1350" kern="1200">
           <a:solidFill>
             <a:schemeClr val="tx1"/>
           </a:solidFill>
@@ -2918,8 +2918,8 @@
           <a:cs typeface="+mn-cs"/>
         </a:defRPr>
       </a:lvl6pPr>
-      <a:lvl7pPr marL="1028751" algn="l" defTabSz="342917" rtl="0" eaLnBrk="1" latinLnBrk="0" hangingPunct="1">
-        <a:defRPr sz="675" kern="1200">
+      <a:lvl7pPr marL="2057656" algn="l" defTabSz="685884" rtl="0" eaLnBrk="1" latinLnBrk="0" hangingPunct="1">
+        <a:defRPr sz="1350" kern="1200">
           <a:solidFill>
             <a:schemeClr val="tx1"/>
           </a:solidFill>
@@ -2928,8 +2928,8 @@
           <a:cs typeface="+mn-cs"/>
         </a:defRPr>
       </a:lvl7pPr>
-      <a:lvl8pPr marL="1200210" algn="l" defTabSz="342917" rtl="0" eaLnBrk="1" latinLnBrk="0" hangingPunct="1">
-        <a:defRPr sz="675" kern="1200">
+      <a:lvl8pPr marL="2400601" algn="l" defTabSz="685884" rtl="0" eaLnBrk="1" latinLnBrk="0" hangingPunct="1">
+        <a:defRPr sz="1350" kern="1200">
           <a:solidFill>
             <a:schemeClr val="tx1"/>
           </a:solidFill>
@@ -2938,8 +2938,8 @@
           <a:cs typeface="+mn-cs"/>
         </a:defRPr>
       </a:lvl8pPr>
-      <a:lvl9pPr marL="1371669" algn="l" defTabSz="342917" rtl="0" eaLnBrk="1" latinLnBrk="0" hangingPunct="1">
-        <a:defRPr sz="675" kern="1200">
+      <a:lvl9pPr marL="2743543" algn="l" defTabSz="685884" rtl="0" eaLnBrk="1" latinLnBrk="0" hangingPunct="1">
+        <a:defRPr sz="1350" kern="1200">
           <a:solidFill>
             <a:schemeClr val="tx1"/>
           </a:solidFill>
@@ -3010,8 +3010,8 @@
         </p:blipFill>
         <p:spPr>
           <a:xfrm>
-            <a:off x="352204" y="2244665"/>
-            <a:ext cx="832982" cy="365760"/>
+            <a:off x="946135" y="4208746"/>
+            <a:ext cx="1561840" cy="685800"/>
           </a:xfrm>
           <a:prstGeom prst="rect">
             <a:avLst/>
@@ -3046,8 +3046,8 @@
         </p:blipFill>
         <p:spPr>
           <a:xfrm>
-            <a:off x="2855024" y="137969"/>
-            <a:ext cx="1364774" cy="365760"/>
+            <a:off x="5638923" y="258691"/>
+            <a:ext cx="2558950" cy="685800"/>
           </a:xfrm>
           <a:prstGeom prst="rect">
             <a:avLst/>
@@ -3082,8 +3082,8 @@
         </p:blipFill>
         <p:spPr>
           <a:xfrm>
-            <a:off x="357052" y="137969"/>
-            <a:ext cx="1429679" cy="365760"/>
+            <a:off x="955228" y="258691"/>
+            <a:ext cx="2680647" cy="685800"/>
           </a:xfrm>
           <a:prstGeom prst="rect">
             <a:avLst/>
@@ -3104,10 +3104,10 @@
         </p:nvGrpSpPr>
         <p:grpSpPr>
           <a:xfrm>
-            <a:off x="352204" y="587875"/>
-            <a:ext cx="3867596" cy="1572774"/>
-            <a:chOff x="924114" y="712786"/>
-            <a:chExt cx="3867594" cy="1572774"/>
+            <a:off x="946332" y="1102267"/>
+            <a:ext cx="7251643" cy="2949349"/>
+            <a:chOff x="924220" y="712786"/>
+            <a:chExt cx="3867541" cy="1572985"/>
           </a:xfrm>
         </p:grpSpPr>
         <p:sp>
@@ -3124,8 +3124,8 @@
           </p:nvSpPr>
           <p:spPr>
             <a:xfrm>
-              <a:off x="2016716" y="712786"/>
-              <a:ext cx="2774992" cy="1572774"/>
+              <a:off x="2016663" y="712786"/>
+              <a:ext cx="2775098" cy="1572985"/>
             </a:xfrm>
             <a:prstGeom prst="rect">
               <a:avLst/>
@@ -3133,14 +3133,14 @@
             <a:noFill/>
           </p:spPr>
           <p:txBody>
-            <a:bodyPr wrap="none" lIns="33434" tIns="16718" rIns="33434" bIns="16718">
+            <a:bodyPr wrap="none" lIns="62688" tIns="31345" rIns="62688" bIns="31345">
               <a:spAutoFit/>
             </a:bodyPr>
             <a:lstStyle/>
             <a:p>
               <a:pPr algn="ctr"/>
               <a:r>
-                <a:rPr lang="en-US" sz="10001" dirty="0">
+                <a:rPr lang="en-US" sz="18754" dirty="0">
                   <a:ln w="0"/>
                   <a:solidFill>
                     <a:schemeClr val="bg1"/>
@@ -3174,8 +3174,8 @@
           </p:nvSpPr>
           <p:spPr>
             <a:xfrm>
-              <a:off x="924114" y="712786"/>
-              <a:ext cx="1090236" cy="1572774"/>
+              <a:off x="924220" y="712786"/>
+              <a:ext cx="1090022" cy="1572985"/>
             </a:xfrm>
             <a:prstGeom prst="rect">
               <a:avLst/>
@@ -3183,14 +3183,14 @@
             <a:noFill/>
           </p:spPr>
           <p:txBody>
-            <a:bodyPr wrap="none" lIns="33434" tIns="16718" rIns="33434" bIns="16718">
+            <a:bodyPr wrap="none" lIns="62688" tIns="31345" rIns="62688" bIns="31345">
               <a:spAutoFit/>
             </a:bodyPr>
             <a:lstStyle/>
             <a:p>
               <a:pPr algn="ctr"/>
               <a:r>
-                <a:rPr lang="en-US" sz="10001" dirty="0">
+                <a:rPr lang="en-US" sz="18754" dirty="0">
                   <a:ln w="0"/>
                   <a:solidFill>
                     <a:schemeClr val="bg1"/>
@@ -3240,8 +3240,8 @@
         </p:blipFill>
         <p:spPr bwMode="auto">
           <a:xfrm>
-            <a:off x="2906345" y="2244665"/>
-            <a:ext cx="1313453" cy="365760"/>
+            <a:off x="5735153" y="4208746"/>
+            <a:ext cx="2462723" cy="685800"/>
           </a:xfrm>
           <a:prstGeom prst="rect">
             <a:avLst/>
@@ -3329,8 +3329,8 @@
         </p:blipFill>
         <p:spPr>
           <a:xfrm>
-            <a:off x="352204" y="2244665"/>
-            <a:ext cx="832982" cy="365760"/>
+            <a:off x="946135" y="4208746"/>
+            <a:ext cx="1561840" cy="685800"/>
           </a:xfrm>
           <a:prstGeom prst="rect">
             <a:avLst/>
@@ -3365,8 +3365,8 @@
         </p:blipFill>
         <p:spPr>
           <a:xfrm>
-            <a:off x="2855024" y="137969"/>
-            <a:ext cx="1364774" cy="365760"/>
+            <a:off x="5638923" y="258691"/>
+            <a:ext cx="2558950" cy="685800"/>
           </a:xfrm>
           <a:prstGeom prst="rect">
             <a:avLst/>
@@ -3401,8 +3401,8 @@
         </p:blipFill>
         <p:spPr>
           <a:xfrm>
-            <a:off x="357052" y="137969"/>
-            <a:ext cx="1429679" cy="365760"/>
+            <a:off x="955228" y="258691"/>
+            <a:ext cx="2680647" cy="685800"/>
           </a:xfrm>
           <a:prstGeom prst="rect">
             <a:avLst/>
@@ -3423,10 +3423,10 @@
         </p:nvGrpSpPr>
         <p:grpSpPr>
           <a:xfrm>
-            <a:off x="352204" y="587875"/>
-            <a:ext cx="3867596" cy="1572774"/>
-            <a:chOff x="924114" y="712786"/>
-            <a:chExt cx="3867594" cy="1572774"/>
+            <a:off x="946332" y="1102267"/>
+            <a:ext cx="7251643" cy="2949349"/>
+            <a:chOff x="924220" y="712786"/>
+            <a:chExt cx="3867541" cy="1572985"/>
           </a:xfrm>
         </p:grpSpPr>
         <p:sp>
@@ -3443,8 +3443,8 @@
           </p:nvSpPr>
           <p:spPr>
             <a:xfrm>
-              <a:off x="2016716" y="712786"/>
-              <a:ext cx="2774992" cy="1572774"/>
+              <a:off x="2016663" y="712786"/>
+              <a:ext cx="2775098" cy="1572985"/>
             </a:xfrm>
             <a:prstGeom prst="rect">
               <a:avLst/>
@@ -3452,14 +3452,14 @@
             <a:noFill/>
           </p:spPr>
           <p:txBody>
-            <a:bodyPr wrap="none" lIns="33434" tIns="16718" rIns="33434" bIns="16718">
+            <a:bodyPr wrap="none" lIns="62688" tIns="31345" rIns="62688" bIns="31345">
               <a:spAutoFit/>
             </a:bodyPr>
             <a:lstStyle/>
             <a:p>
               <a:pPr algn="ctr"/>
               <a:r>
-                <a:rPr lang="en-US" sz="10001" dirty="0">
+                <a:rPr lang="en-US" sz="18754" dirty="0">
                   <a:ln w="0"/>
                   <a:solidFill>
                     <a:schemeClr val="bg1"/>
@@ -3493,8 +3493,8 @@
           </p:nvSpPr>
           <p:spPr>
             <a:xfrm>
-              <a:off x="924114" y="712786"/>
-              <a:ext cx="1090236" cy="1572774"/>
+              <a:off x="924220" y="712786"/>
+              <a:ext cx="1090022" cy="1572985"/>
             </a:xfrm>
             <a:prstGeom prst="rect">
               <a:avLst/>
@@ -3502,14 +3502,14 @@
             <a:noFill/>
           </p:spPr>
           <p:txBody>
-            <a:bodyPr wrap="none" lIns="33434" tIns="16718" rIns="33434" bIns="16718">
+            <a:bodyPr wrap="none" lIns="62688" tIns="31345" rIns="62688" bIns="31345">
               <a:spAutoFit/>
             </a:bodyPr>
             <a:lstStyle/>
             <a:p>
               <a:pPr algn="ctr"/>
               <a:r>
-                <a:rPr lang="en-US" sz="10001" dirty="0">
+                <a:rPr lang="en-US" sz="18754" dirty="0">
                   <a:ln w="0"/>
                   <a:solidFill>
                     <a:schemeClr val="bg1"/>
@@ -3559,8 +3559,8 @@
         </p:blipFill>
         <p:spPr bwMode="auto">
           <a:xfrm>
-            <a:off x="2906345" y="2244665"/>
-            <a:ext cx="1313453" cy="365760"/>
+            <a:off x="5735153" y="4208746"/>
+            <a:ext cx="2462723" cy="685800"/>
           </a:xfrm>
           <a:prstGeom prst="rect">
             <a:avLst/>
@@ -3596,9 +3596,9 @@
     <p:bg>
       <p:bgPr>
         <a:solidFill>
-          <a:schemeClr val="bg1">
-            <a:lumMod val="95000"/>
-          </a:schemeClr>
+          <a:srgbClr val="FFFFFF">
+            <a:alpha val="0"/>
+          </a:srgbClr>
         </a:solidFill>
         <a:effectLst/>
       </p:bgPr>
@@ -3647,8 +3647,8 @@
         </p:blipFill>
         <p:spPr>
           <a:xfrm>
-            <a:off x="352204" y="2244665"/>
-            <a:ext cx="832982" cy="365760"/>
+            <a:off x="946135" y="4208746"/>
+            <a:ext cx="1561840" cy="685800"/>
           </a:xfrm>
           <a:prstGeom prst="rect">
             <a:avLst/>
@@ -3683,8 +3683,8 @@
         </p:blipFill>
         <p:spPr>
           <a:xfrm>
-            <a:off x="357052" y="137969"/>
-            <a:ext cx="1429679" cy="365760"/>
+            <a:off x="955228" y="258691"/>
+            <a:ext cx="2680647" cy="685800"/>
           </a:xfrm>
           <a:prstGeom prst="rect">
             <a:avLst/>
@@ -3705,10 +3705,10 @@
         </p:nvGrpSpPr>
         <p:grpSpPr>
           <a:xfrm>
-            <a:off x="352204" y="587875"/>
-            <a:ext cx="3867596" cy="1572774"/>
-            <a:chOff x="924114" y="712786"/>
-            <a:chExt cx="3867594" cy="1572774"/>
+            <a:off x="946332" y="1102267"/>
+            <a:ext cx="7251643" cy="2949349"/>
+            <a:chOff x="924220" y="712786"/>
+            <a:chExt cx="3867541" cy="1572985"/>
           </a:xfrm>
         </p:grpSpPr>
         <p:sp>
@@ -3725,8 +3725,8 @@
           </p:nvSpPr>
           <p:spPr>
             <a:xfrm>
-              <a:off x="2016716" y="712786"/>
-              <a:ext cx="2774992" cy="1572774"/>
+              <a:off x="2016663" y="712786"/>
+              <a:ext cx="2775098" cy="1572985"/>
             </a:xfrm>
             <a:prstGeom prst="rect">
               <a:avLst/>
@@ -3734,18 +3734,18 @@
             <a:noFill/>
           </p:spPr>
           <p:txBody>
-            <a:bodyPr wrap="none" lIns="33434" tIns="16718" rIns="33434" bIns="16718">
+            <a:bodyPr wrap="none" lIns="62688" tIns="31345" rIns="62688" bIns="31345">
               <a:spAutoFit/>
             </a:bodyPr>
             <a:lstStyle/>
             <a:p>
               <a:pPr algn="ctr"/>
               <a:r>
-                <a:rPr lang="en-US" sz="10001" dirty="0">
+                <a:rPr lang="en-US" sz="18754" dirty="0">
                   <a:ln w="0"/>
                   <a:solidFill>
-                    <a:schemeClr val="bg2">
-                      <a:lumMod val="25000"/>
+                    <a:schemeClr val="tx2">
+                      <a:lumMod val="75000"/>
                     </a:schemeClr>
                   </a:solidFill>
                   <a:effectLst>
@@ -3777,8 +3777,8 @@
           </p:nvSpPr>
           <p:spPr>
             <a:xfrm>
-              <a:off x="924114" y="712786"/>
-              <a:ext cx="1090236" cy="1572774"/>
+              <a:off x="924220" y="712786"/>
+              <a:ext cx="1090022" cy="1572985"/>
             </a:xfrm>
             <a:prstGeom prst="rect">
               <a:avLst/>
@@ -3786,18 +3786,18 @@
             <a:noFill/>
           </p:spPr>
           <p:txBody>
-            <a:bodyPr wrap="none" lIns="33434" tIns="16718" rIns="33434" bIns="16718">
+            <a:bodyPr wrap="none" lIns="62688" tIns="31345" rIns="62688" bIns="31345">
               <a:spAutoFit/>
             </a:bodyPr>
             <a:lstStyle/>
             <a:p>
               <a:pPr algn="ctr"/>
               <a:r>
-                <a:rPr lang="en-US" sz="10001" dirty="0">
+                <a:rPr lang="en-US" sz="18754" dirty="0">
                   <a:ln w="0"/>
                   <a:solidFill>
-                    <a:schemeClr val="bg2">
-                      <a:lumMod val="25000"/>
+                    <a:schemeClr val="tx2">
+                      <a:lumMod val="75000"/>
                     </a:schemeClr>
                   </a:solidFill>
                   <a:effectLst>
@@ -3845,8 +3845,8 @@
         </p:blipFill>
         <p:spPr bwMode="auto">
           <a:xfrm>
-            <a:off x="2906345" y="2244665"/>
-            <a:ext cx="1313453" cy="365760"/>
+            <a:off x="5735153" y="4208746"/>
+            <a:ext cx="2462723" cy="685800"/>
           </a:xfrm>
           <a:prstGeom prst="rect">
             <a:avLst/>
@@ -3890,8 +3890,8 @@
         </p:blipFill>
         <p:spPr>
           <a:xfrm>
-            <a:off x="2801132" y="137969"/>
-            <a:ext cx="1413819" cy="365760"/>
+            <a:off x="5537874" y="258691"/>
+            <a:ext cx="2650911" cy="685800"/>
           </a:xfrm>
           <a:prstGeom prst="rect">
             <a:avLst/>
@@ -3914,7 +3914,7 @@
 <file path=ppt/theme/theme1.xml><?xml version="1.0" encoding="utf-8"?>
 <a:theme xmlns:a="http://schemas.openxmlformats.org/drawingml/2006/main" name="Office Theme">
   <a:themeElements>
-    <a:clrScheme name="Blue Green">
+    <a:clrScheme name="Office Theme">
       <a:dk1>
         <a:sysClr val="windowText" lastClr="000000"/>
       </a:dk1>
@@ -3922,34 +3922,34 @@
         <a:sysClr val="window" lastClr="FFFFFF"/>
       </a:lt1>
       <a:dk2>
-        <a:srgbClr val="373545"/>
+        <a:srgbClr val="44546A"/>
       </a:dk2>
       <a:lt2>
-        <a:srgbClr val="CEDBE6"/>
+        <a:srgbClr val="E7E6E6"/>
       </a:lt2>
       <a:accent1>
-        <a:srgbClr val="3494BA"/>
+        <a:srgbClr val="4472C4"/>
       </a:accent1>
       <a:accent2>
-        <a:srgbClr val="58B6C0"/>
+        <a:srgbClr val="ED7D31"/>
       </a:accent2>
       <a:accent3>
-        <a:srgbClr val="75BDA7"/>
+        <a:srgbClr val="A5A5A5"/>
       </a:accent3>
       <a:accent4>
-        <a:srgbClr val="7A8C8E"/>
+        <a:srgbClr val="FFC000"/>
       </a:accent4>
       <a:accent5>
-        <a:srgbClr val="84ACB6"/>
+        <a:srgbClr val="5B9BD5"/>
       </a:accent5>
       <a:accent6>
-        <a:srgbClr val="2683C6"/>
+        <a:srgbClr val="70AD47"/>
       </a:accent6>
       <a:hlink>
-        <a:srgbClr val="6B9F25"/>
+        <a:srgbClr val="0563C1"/>
       </a:hlink>
       <a:folHlink>
-        <a:srgbClr val="9F6715"/>
+        <a:srgbClr val="954F72"/>
       </a:folHlink>
     </a:clrScheme>
     <a:fontScheme name="Office Theme">
